--- a/doc/Report/Dec 17 2019.pptx
+++ b/doc/Report/Dec 17 2019.pptx
@@ -207,7 +207,7 @@
           <a:p>
             <a:fld id="{97BE2177-E45B-449F-AE2E-ED4743253C6D}" type="datetimeFigureOut">
               <a:rPr lang="zh-CN" altLang="en-US" smtClean="0"/>
-              <a:t>2019/12/16</a:t>
+              <a:t>2019/12/18</a:t>
             </a:fld>
             <a:endParaRPr lang="zh-CN" altLang="en-US"/>
           </a:p>
@@ -789,7 +789,7 @@
           <a:p>
             <a:fld id="{B9614994-C529-43AC-BD2C-52D47B0301A5}" type="datetimeFigureOut">
               <a:rPr lang="zh-CN" altLang="en-US" smtClean="0"/>
-              <a:t>2019/12/16</a:t>
+              <a:t>2019/12/18</a:t>
             </a:fld>
             <a:endParaRPr lang="zh-CN" altLang="en-US"/>
           </a:p>
@@ -987,7 +987,7 @@
           <a:p>
             <a:fld id="{B9614994-C529-43AC-BD2C-52D47B0301A5}" type="datetimeFigureOut">
               <a:rPr lang="zh-CN" altLang="en-US" smtClean="0"/>
-              <a:t>2019/12/16</a:t>
+              <a:t>2019/12/18</a:t>
             </a:fld>
             <a:endParaRPr lang="zh-CN" altLang="en-US"/>
           </a:p>
@@ -1195,7 +1195,7 @@
           <a:p>
             <a:fld id="{B9614994-C529-43AC-BD2C-52D47B0301A5}" type="datetimeFigureOut">
               <a:rPr lang="zh-CN" altLang="en-US" smtClean="0"/>
-              <a:t>2019/12/16</a:t>
+              <a:t>2019/12/18</a:t>
             </a:fld>
             <a:endParaRPr lang="zh-CN" altLang="en-US"/>
           </a:p>
@@ -1393,7 +1393,7 @@
           <a:p>
             <a:fld id="{B9614994-C529-43AC-BD2C-52D47B0301A5}" type="datetimeFigureOut">
               <a:rPr lang="zh-CN" altLang="en-US" smtClean="0"/>
-              <a:t>2019/12/16</a:t>
+              <a:t>2019/12/18</a:t>
             </a:fld>
             <a:endParaRPr lang="zh-CN" altLang="en-US"/>
           </a:p>
@@ -1668,7 +1668,7 @@
           <a:p>
             <a:fld id="{B9614994-C529-43AC-BD2C-52D47B0301A5}" type="datetimeFigureOut">
               <a:rPr lang="zh-CN" altLang="en-US" smtClean="0"/>
-              <a:t>2019/12/16</a:t>
+              <a:t>2019/12/18</a:t>
             </a:fld>
             <a:endParaRPr lang="zh-CN" altLang="en-US"/>
           </a:p>
@@ -1933,7 +1933,7 @@
           <a:p>
             <a:fld id="{B9614994-C529-43AC-BD2C-52D47B0301A5}" type="datetimeFigureOut">
               <a:rPr lang="zh-CN" altLang="en-US" smtClean="0"/>
-              <a:t>2019/12/16</a:t>
+              <a:t>2019/12/18</a:t>
             </a:fld>
             <a:endParaRPr lang="zh-CN" altLang="en-US"/>
           </a:p>
@@ -2345,7 +2345,7 @@
           <a:p>
             <a:fld id="{B9614994-C529-43AC-BD2C-52D47B0301A5}" type="datetimeFigureOut">
               <a:rPr lang="zh-CN" altLang="en-US" smtClean="0"/>
-              <a:t>2019/12/16</a:t>
+              <a:t>2019/12/18</a:t>
             </a:fld>
             <a:endParaRPr lang="zh-CN" altLang="en-US"/>
           </a:p>
@@ -2486,7 +2486,7 @@
           <a:p>
             <a:fld id="{B9614994-C529-43AC-BD2C-52D47B0301A5}" type="datetimeFigureOut">
               <a:rPr lang="zh-CN" altLang="en-US" smtClean="0"/>
-              <a:t>2019/12/16</a:t>
+              <a:t>2019/12/18</a:t>
             </a:fld>
             <a:endParaRPr lang="zh-CN" altLang="en-US"/>
           </a:p>
@@ -2599,7 +2599,7 @@
           <a:p>
             <a:fld id="{B9614994-C529-43AC-BD2C-52D47B0301A5}" type="datetimeFigureOut">
               <a:rPr lang="zh-CN" altLang="en-US" smtClean="0"/>
-              <a:t>2019/12/16</a:t>
+              <a:t>2019/12/18</a:t>
             </a:fld>
             <a:endParaRPr lang="zh-CN" altLang="en-US"/>
           </a:p>
@@ -2910,7 +2910,7 @@
           <a:p>
             <a:fld id="{B9614994-C529-43AC-BD2C-52D47B0301A5}" type="datetimeFigureOut">
               <a:rPr lang="zh-CN" altLang="en-US" smtClean="0"/>
-              <a:t>2019/12/16</a:t>
+              <a:t>2019/12/18</a:t>
             </a:fld>
             <a:endParaRPr lang="zh-CN" altLang="en-US"/>
           </a:p>
@@ -3198,7 +3198,7 @@
           <a:p>
             <a:fld id="{B9614994-C529-43AC-BD2C-52D47B0301A5}" type="datetimeFigureOut">
               <a:rPr lang="zh-CN" altLang="en-US" smtClean="0"/>
-              <a:t>2019/12/16</a:t>
+              <a:t>2019/12/18</a:t>
             </a:fld>
             <a:endParaRPr lang="zh-CN" altLang="en-US"/>
           </a:p>
@@ -3439,7 +3439,7 @@
           <a:p>
             <a:fld id="{B9614994-C529-43AC-BD2C-52D47B0301A5}" type="datetimeFigureOut">
               <a:rPr lang="zh-CN" altLang="en-US" smtClean="0"/>
-              <a:t>2019/12/16</a:t>
+              <a:t>2019/12/18</a:t>
             </a:fld>
             <a:endParaRPr lang="zh-CN" altLang="en-US"/>
           </a:p>
@@ -4254,6 +4254,17 @@
               <a:rPr lang="en-US" altLang="zh-CN" dirty="0"/>
               <a:t>Restricted modeling for general language modeling taking advantage of grammatical structure</a:t>
             </a:r>
+          </a:p>
+          <a:p>
+            <a:r>
+              <a:rPr lang="en-US" altLang="zh-CN" dirty="0"/>
+              <a:t>Generate model </a:t>
+            </a:r>
+            <a:r>
+              <a:rPr lang="en-US" altLang="zh-CN"/>
+              <a:t>from data</a:t>
+            </a:r>
+            <a:endParaRPr lang="en-US" altLang="zh-CN" dirty="0"/>
           </a:p>
           <a:p>
             <a:r>
